--- a/4_Formulare/1/Formular Grundlagen.pptx
+++ b/4_Formulare/1/Formular Grundlagen.pptx
@@ -6,24 +6,26 @@
     <p:sldMasterId id="2147483675" r:id="rId2"/>
   </p:sldMasterIdLst>
   <p:notesMasterIdLst>
-    <p:notesMasterId r:id="rId15"/>
+    <p:notesMasterId r:id="rId17"/>
   </p:notesMasterIdLst>
   <p:handoutMasterIdLst>
-    <p:handoutMasterId r:id="rId16"/>
+    <p:handoutMasterId r:id="rId18"/>
   </p:handoutMasterIdLst>
   <p:sldIdLst>
     <p:sldId id="256" r:id="rId3"/>
-    <p:sldId id="257" r:id="rId4"/>
-    <p:sldId id="263" r:id="rId5"/>
-    <p:sldId id="258" r:id="rId6"/>
-    <p:sldId id="259" r:id="rId7"/>
-    <p:sldId id="264" r:id="rId8"/>
-    <p:sldId id="265" r:id="rId9"/>
+    <p:sldId id="267" r:id="rId4"/>
+    <p:sldId id="257" r:id="rId5"/>
+    <p:sldId id="263" r:id="rId6"/>
+    <p:sldId id="258" r:id="rId7"/>
+    <p:sldId id="259" r:id="rId8"/>
+    <p:sldId id="264" r:id="rId9"/>
     <p:sldId id="266" r:id="rId10"/>
-    <p:sldId id="267" r:id="rId11"/>
-    <p:sldId id="260" r:id="rId12"/>
-    <p:sldId id="261" r:id="rId13"/>
-    <p:sldId id="262" r:id="rId14"/>
+    <p:sldId id="265" r:id="rId11"/>
+    <p:sldId id="269" r:id="rId12"/>
+    <p:sldId id="268" r:id="rId13"/>
+    <p:sldId id="260" r:id="rId14"/>
+    <p:sldId id="261" r:id="rId15"/>
+    <p:sldId id="262" r:id="rId16"/>
   </p:sldIdLst>
   <p:sldSz cx="9144000" cy="5143500" type="screen16x9"/>
   <p:notesSz cx="6858000" cy="9144000"/>
@@ -2639,10 +2641,59 @@
           </a:p>
         </p:txBody>
       </p:sp>
+      <p:sp>
+        <p:nvSpPr>
+          <p:cNvPr id="7" name="Titel 6"/>
+          <p:cNvSpPr>
+            <a:spLocks noGrp="1"/>
+          </p:cNvSpPr>
+          <p:nvPr>
+            <p:ph type="title"/>
+          </p:nvPr>
+        </p:nvSpPr>
+        <p:spPr/>
+        <p:txBody>
+          <a:bodyPr/>
+          <a:lstStyle/>
+          <a:p>
+            <a:r>
+              <a:rPr lang="de-CH" dirty="0"/>
+              <a:t>Zwischenstand</a:t>
+            </a:r>
+          </a:p>
+        </p:txBody>
+      </p:sp>
+      <p:sp>
+        <p:nvSpPr>
+          <p:cNvPr id="8" name="Inhaltsplatzhalter 7"/>
+          <p:cNvSpPr>
+            <a:spLocks noGrp="1"/>
+          </p:cNvSpPr>
+          <p:nvPr>
+            <p:ph idx="1"/>
+          </p:nvPr>
+        </p:nvSpPr>
+        <p:spPr>
+          <a:xfrm>
+            <a:off x="738000" y="1535761"/>
+            <a:ext cx="7002352" cy="2976503"/>
+          </a:xfrm>
+        </p:spPr>
+        <p:txBody>
+          <a:bodyPr/>
+          <a:lstStyle/>
+          <a:p>
+            <a:pPr marL="7752" indent="0">
+              <a:buNone/>
+            </a:pPr>
+            <a:endParaRPr lang="de-CH" dirty="0"/>
+          </a:p>
+        </p:txBody>
+      </p:sp>
     </p:spTree>
     <p:extLst>
       <p:ext uri="{BB962C8B-B14F-4D97-AF65-F5344CB8AC3E}">
-        <p14:creationId xmlns:p14="http://schemas.microsoft.com/office/powerpoint/2010/main" val="406448198"/>
+        <p14:creationId xmlns:p14="http://schemas.microsoft.com/office/powerpoint/2010/main" val="677105561"/>
       </p:ext>
     </p:extLst>
   </p:cSld>
@@ -2676,6 +2727,204 @@
             <a:spLocks noGrp="1"/>
           </p:cNvSpPr>
           <p:nvPr>
+            <p:ph type="sldNum" sz="quarter" idx="10"/>
+          </p:nvPr>
+        </p:nvSpPr>
+        <p:spPr/>
+        <p:txBody>
+          <a:bodyPr/>
+          <a:lstStyle/>
+          <a:p>
+            <a:fld id="{0C62BB70-361B-4A21-9656-DFD492B55ABF}" type="slidenum">
+              <a:rPr lang="de-CH" smtClean="0"/>
+              <a:pPr/>
+              <a:t>11</a:t>
+            </a:fld>
+            <a:endParaRPr lang="de-CH" dirty="0"/>
+          </a:p>
+        </p:txBody>
+      </p:sp>
+      <p:sp>
+        <p:nvSpPr>
+          <p:cNvPr id="7" name="Titel 6"/>
+          <p:cNvSpPr>
+            <a:spLocks noGrp="1"/>
+          </p:cNvSpPr>
+          <p:nvPr>
+            <p:ph type="title"/>
+          </p:nvPr>
+        </p:nvSpPr>
+        <p:spPr/>
+        <p:txBody>
+          <a:bodyPr/>
+          <a:lstStyle/>
+          <a:p>
+            <a:r>
+              <a:rPr lang="de-CH" dirty="0"/>
+              <a:t>Work</a:t>
+            </a:r>
+          </a:p>
+        </p:txBody>
+      </p:sp>
+      <p:sp>
+        <p:nvSpPr>
+          <p:cNvPr id="8" name="Inhaltsplatzhalter 7"/>
+          <p:cNvSpPr>
+            <a:spLocks noGrp="1"/>
+          </p:cNvSpPr>
+          <p:nvPr>
+            <p:ph idx="1"/>
+          </p:nvPr>
+        </p:nvSpPr>
+        <p:spPr>
+          <a:xfrm>
+            <a:off x="738000" y="1535761"/>
+            <a:ext cx="7002352" cy="2976503"/>
+          </a:xfrm>
+        </p:spPr>
+        <p:txBody>
+          <a:bodyPr/>
+          <a:lstStyle/>
+          <a:p>
+            <a:pPr marL="7752" indent="0">
+              <a:buNone/>
+            </a:pPr>
+            <a:r>
+              <a:rPr lang="de-CH" dirty="0"/>
+              <a:t>In dem File «</a:t>
+            </a:r>
+            <a:r>
+              <a:rPr lang="de-CH" dirty="0" err="1"/>
+              <a:t>webserver.php</a:t>
+            </a:r>
+            <a:r>
+              <a:rPr lang="de-CH" dirty="0"/>
+              <a:t>» im Ordner «4_Formulare/1» findet ihr die Aufgabe 3 als Kommentar</a:t>
+            </a:r>
+          </a:p>
+        </p:txBody>
+      </p:sp>
+      <p:pic>
+        <p:nvPicPr>
+          <p:cNvPr id="5" name="Grafik 4">
+            <a:extLst>
+              <a:ext uri="{FF2B5EF4-FFF2-40B4-BE49-F238E27FC236}">
+                <a16:creationId xmlns:a16="http://schemas.microsoft.com/office/drawing/2014/main" id="{73EA7497-B9CC-46F3-A246-930B5E6B1756}"/>
+              </a:ext>
+            </a:extLst>
+          </p:cNvPr>
+          <p:cNvPicPr>
+            <a:picLocks noChangeAspect="1"/>
+          </p:cNvPicPr>
+          <p:nvPr/>
+        </p:nvPicPr>
+        <p:blipFill>
+          <a:blip r:embed="rId2"/>
+          <a:stretch>
+            <a:fillRect/>
+          </a:stretch>
+        </p:blipFill>
+        <p:spPr>
+          <a:xfrm>
+            <a:off x="775733" y="2274091"/>
+            <a:ext cx="6934777" cy="657699"/>
+          </a:xfrm>
+          <a:prstGeom prst="rect">
+            <a:avLst/>
+          </a:prstGeom>
+        </p:spPr>
+      </p:pic>
+    </p:spTree>
+    <p:extLst>
+      <p:ext uri="{BB962C8B-B14F-4D97-AF65-F5344CB8AC3E}">
+        <p14:creationId xmlns:p14="http://schemas.microsoft.com/office/powerpoint/2010/main" val="630829591"/>
+      </p:ext>
+    </p:extLst>
+  </p:cSld>
+  <p:clrMapOvr>
+    <a:masterClrMapping/>
+  </p:clrMapOvr>
+</p:sld>
+</file>
+
+<file path=ppt/slides/slide12.xml><?xml version="1.0" encoding="utf-8"?>
+<p:sld xmlns:a="http://schemas.openxmlformats.org/drawingml/2006/main" xmlns:r="http://schemas.openxmlformats.org/officeDocument/2006/relationships" xmlns:p="http://schemas.openxmlformats.org/presentationml/2006/main">
+  <p:cSld>
+    <p:spTree>
+      <p:nvGrpSpPr>
+        <p:cNvPr id="1" name=""/>
+        <p:cNvGrpSpPr/>
+        <p:nvPr/>
+      </p:nvGrpSpPr>
+      <p:grpSpPr>
+        <a:xfrm>
+          <a:off x="0" y="0"/>
+          <a:ext cx="0" cy="0"/>
+          <a:chOff x="0" y="0"/>
+          <a:chExt cx="0" cy="0"/>
+        </a:xfrm>
+      </p:grpSpPr>
+      <p:sp>
+        <p:nvSpPr>
+          <p:cNvPr id="2" name="Foliennummernplatzhalter 1"/>
+          <p:cNvSpPr>
+            <a:spLocks noGrp="1"/>
+          </p:cNvSpPr>
+          <p:nvPr>
+            <p:ph type="sldNum" sz="quarter" idx="10"/>
+          </p:nvPr>
+        </p:nvSpPr>
+        <p:spPr/>
+        <p:txBody>
+          <a:bodyPr/>
+          <a:lstStyle/>
+          <a:p>
+            <a:fld id="{0C62BB70-361B-4A21-9656-DFD492B55ABF}" type="slidenum">
+              <a:rPr lang="de-CH" smtClean="0"/>
+              <a:pPr/>
+              <a:t>12</a:t>
+            </a:fld>
+            <a:endParaRPr lang="de-CH" dirty="0"/>
+          </a:p>
+        </p:txBody>
+      </p:sp>
+    </p:spTree>
+    <p:extLst>
+      <p:ext uri="{BB962C8B-B14F-4D97-AF65-F5344CB8AC3E}">
+        <p14:creationId xmlns:p14="http://schemas.microsoft.com/office/powerpoint/2010/main" val="406448198"/>
+      </p:ext>
+    </p:extLst>
+  </p:cSld>
+  <p:clrMapOvr>
+    <a:masterClrMapping/>
+  </p:clrMapOvr>
+</p:sld>
+</file>
+
+<file path=ppt/slides/slide13.xml><?xml version="1.0" encoding="utf-8"?>
+<p:sld xmlns:a="http://schemas.openxmlformats.org/drawingml/2006/main" xmlns:r="http://schemas.openxmlformats.org/officeDocument/2006/relationships" xmlns:p="http://schemas.openxmlformats.org/presentationml/2006/main">
+  <p:cSld>
+    <p:spTree>
+      <p:nvGrpSpPr>
+        <p:cNvPr id="1" name=""/>
+        <p:cNvGrpSpPr/>
+        <p:nvPr/>
+      </p:nvGrpSpPr>
+      <p:grpSpPr>
+        <a:xfrm>
+          <a:off x="0" y="0"/>
+          <a:ext cx="0" cy="0"/>
+          <a:chOff x="0" y="0"/>
+          <a:chExt cx="0" cy="0"/>
+        </a:xfrm>
+      </p:grpSpPr>
+      <p:sp>
+        <p:nvSpPr>
+          <p:cNvPr id="2" name="Foliennummernplatzhalter 1"/>
+          <p:cNvSpPr>
+            <a:spLocks noGrp="1"/>
+          </p:cNvSpPr>
+          <p:nvPr>
             <p:ph type="sldNum" sz="quarter" idx="4294967295"/>
           </p:nvPr>
         </p:nvSpPr>
@@ -2692,7 +2941,7 @@
             <a:fld id="{0C62BB70-361B-4A21-9656-DFD492B55ABF}" type="slidenum">
               <a:rPr lang="de-CH" smtClean="0"/>
               <a:pPr/>
-              <a:t>11</a:t>
+              <a:t>13</a:t>
             </a:fld>
             <a:endParaRPr lang="de-CH" dirty="0"/>
           </a:p>
@@ -2711,7 +2960,7 @@
 </p:sld>
 </file>
 
-<file path=ppt/slides/slide12.xml><?xml version="1.0" encoding="utf-8"?>
+<file path=ppt/slides/slide14.xml><?xml version="1.0" encoding="utf-8"?>
 <p:sld xmlns:a="http://schemas.openxmlformats.org/drawingml/2006/main" xmlns:r="http://schemas.openxmlformats.org/officeDocument/2006/relationships" xmlns:p="http://schemas.openxmlformats.org/presentationml/2006/main">
   <p:cSld>
     <p:spTree>
@@ -2777,6 +3026,109 @@
               <a:rPr lang="de-CH" smtClean="0"/>
               <a:pPr/>
               <a:t>2</a:t>
+            </a:fld>
+            <a:endParaRPr lang="de-CH" dirty="0"/>
+          </a:p>
+        </p:txBody>
+      </p:sp>
+      <p:sp>
+        <p:nvSpPr>
+          <p:cNvPr id="7" name="Titel 6"/>
+          <p:cNvSpPr>
+            <a:spLocks noGrp="1"/>
+          </p:cNvSpPr>
+          <p:nvPr>
+            <p:ph type="title"/>
+          </p:nvPr>
+        </p:nvSpPr>
+        <p:spPr/>
+        <p:txBody>
+          <a:bodyPr/>
+          <a:lstStyle/>
+          <a:p>
+            <a:r>
+              <a:rPr lang="de-CH" dirty="0"/>
+              <a:t>Erkunden</a:t>
+            </a:r>
+          </a:p>
+        </p:txBody>
+      </p:sp>
+      <p:sp>
+        <p:nvSpPr>
+          <p:cNvPr id="8" name="Inhaltsplatzhalter 7"/>
+          <p:cNvSpPr>
+            <a:spLocks noGrp="1"/>
+          </p:cNvSpPr>
+          <p:nvPr>
+            <p:ph idx="1"/>
+          </p:nvPr>
+        </p:nvSpPr>
+        <p:spPr>
+          <a:xfrm>
+            <a:off x="738000" y="1535761"/>
+            <a:ext cx="5778216" cy="2976503"/>
+          </a:xfrm>
+        </p:spPr>
+        <p:txBody>
+          <a:bodyPr/>
+          <a:lstStyle/>
+          <a:p>
+            <a:r>
+              <a:rPr lang="de-CH" dirty="0"/>
+              <a:t>Ordner «4_Formulare/1» erkunden</a:t>
+            </a:r>
+          </a:p>
+        </p:txBody>
+      </p:sp>
+    </p:spTree>
+    <p:extLst>
+      <p:ext uri="{BB962C8B-B14F-4D97-AF65-F5344CB8AC3E}">
+        <p14:creationId xmlns:p14="http://schemas.microsoft.com/office/powerpoint/2010/main" val="3457891909"/>
+      </p:ext>
+    </p:extLst>
+  </p:cSld>
+  <p:clrMapOvr>
+    <a:masterClrMapping/>
+  </p:clrMapOvr>
+</p:sld>
+</file>
+
+<file path=ppt/slides/slide3.xml><?xml version="1.0" encoding="utf-8"?>
+<p:sld xmlns:a="http://schemas.openxmlformats.org/drawingml/2006/main" xmlns:r="http://schemas.openxmlformats.org/officeDocument/2006/relationships" xmlns:p="http://schemas.openxmlformats.org/presentationml/2006/main">
+  <p:cSld>
+    <p:spTree>
+      <p:nvGrpSpPr>
+        <p:cNvPr id="1" name=""/>
+        <p:cNvGrpSpPr/>
+        <p:nvPr/>
+      </p:nvGrpSpPr>
+      <p:grpSpPr>
+        <a:xfrm>
+          <a:off x="0" y="0"/>
+          <a:ext cx="0" cy="0"/>
+          <a:chOff x="0" y="0"/>
+          <a:chExt cx="0" cy="0"/>
+        </a:xfrm>
+      </p:grpSpPr>
+      <p:sp>
+        <p:nvSpPr>
+          <p:cNvPr id="2" name="Foliennummernplatzhalter 1"/>
+          <p:cNvSpPr>
+            <a:spLocks noGrp="1"/>
+          </p:cNvSpPr>
+          <p:nvPr>
+            <p:ph type="sldNum" sz="quarter" idx="10"/>
+          </p:nvPr>
+        </p:nvSpPr>
+        <p:spPr/>
+        <p:txBody>
+          <a:bodyPr/>
+          <a:lstStyle/>
+          <a:p>
+            <a:fld id="{0C62BB70-361B-4A21-9656-DFD492B55ABF}" type="slidenum">
+              <a:rPr lang="de-CH" smtClean="0"/>
+              <a:pPr/>
+              <a:t>3</a:t>
             </a:fld>
             <a:endParaRPr lang="de-CH" dirty="0"/>
           </a:p>
@@ -3021,7 +3373,7 @@
 </p:sld>
 </file>
 
-<file path=ppt/slides/slide3.xml><?xml version="1.0" encoding="utf-8"?>
+<file path=ppt/slides/slide4.xml><?xml version="1.0" encoding="utf-8"?>
 <p:sld xmlns:a="http://schemas.openxmlformats.org/drawingml/2006/main" xmlns:r="http://schemas.openxmlformats.org/officeDocument/2006/relationships" xmlns:p="http://schemas.openxmlformats.org/presentationml/2006/main">
   <p:cSld>
     <p:spTree>
@@ -3056,7 +3408,7 @@
             <a:fld id="{0C62BB70-361B-4A21-9656-DFD492B55ABF}" type="slidenum">
               <a:rPr lang="de-CH" smtClean="0"/>
               <a:pPr/>
-              <a:t>3</a:t>
+              <a:t>4</a:t>
             </a:fld>
             <a:endParaRPr lang="de-CH" dirty="0"/>
           </a:p>
@@ -3394,7 +3746,7 @@
 </p:sld>
 </file>
 
-<file path=ppt/slides/slide4.xml><?xml version="1.0" encoding="utf-8"?>
+<file path=ppt/slides/slide5.xml><?xml version="1.0" encoding="utf-8"?>
 <p:sld xmlns:a="http://schemas.openxmlformats.org/drawingml/2006/main" xmlns:r="http://schemas.openxmlformats.org/officeDocument/2006/relationships" xmlns:p="http://schemas.openxmlformats.org/presentationml/2006/main">
   <p:cSld>
     <p:spTree>
@@ -3429,7 +3781,7 @@
             <a:fld id="{0C62BB70-361B-4A21-9656-DFD492B55ABF}" type="slidenum">
               <a:rPr lang="de-CH" smtClean="0"/>
               <a:pPr/>
-              <a:t>4</a:t>
+              <a:t>5</a:t>
             </a:fld>
             <a:endParaRPr lang="de-CH" dirty="0"/>
           </a:p>
@@ -3552,7 +3904,7 @@
 </p:sld>
 </file>
 
-<file path=ppt/slides/slide5.xml><?xml version="1.0" encoding="utf-8"?>
+<file path=ppt/slides/slide6.xml><?xml version="1.0" encoding="utf-8"?>
 <p:sld xmlns:a="http://schemas.openxmlformats.org/drawingml/2006/main" xmlns:r="http://schemas.openxmlformats.org/officeDocument/2006/relationships" xmlns:p="http://schemas.openxmlformats.org/presentationml/2006/main">
   <p:cSld>
     <p:spTree>
@@ -3587,7 +3939,7 @@
             <a:fld id="{0C62BB70-361B-4A21-9656-DFD492B55ABF}" type="slidenum">
               <a:rPr lang="de-CH" smtClean="0"/>
               <a:pPr/>
-              <a:t>5</a:t>
+              <a:t>6</a:t>
             </a:fld>
             <a:endParaRPr lang="de-CH" dirty="0"/>
           </a:p>
@@ -3790,7 +4142,7 @@
 </p:sld>
 </file>
 
-<file path=ppt/slides/slide6.xml><?xml version="1.0" encoding="utf-8"?>
+<file path=ppt/slides/slide7.xml><?xml version="1.0" encoding="utf-8"?>
 <p:sld xmlns:a="http://schemas.openxmlformats.org/drawingml/2006/main" xmlns:r="http://schemas.openxmlformats.org/officeDocument/2006/relationships" xmlns:p="http://schemas.openxmlformats.org/presentationml/2006/main">
   <p:cSld>
     <p:spTree>
@@ -3825,7 +4177,7 @@
             <a:fld id="{0C62BB70-361B-4A21-9656-DFD492B55ABF}" type="slidenum">
               <a:rPr lang="de-CH" smtClean="0"/>
               <a:pPr/>
-              <a:t>6</a:t>
+              <a:t>7</a:t>
             </a:fld>
             <a:endParaRPr lang="de-CH" dirty="0"/>
           </a:p>
@@ -4001,118 +4353,6 @@
 </p:sld>
 </file>
 
-<file path=ppt/slides/slide7.xml><?xml version="1.0" encoding="utf-8"?>
-<p:sld xmlns:a="http://schemas.openxmlformats.org/drawingml/2006/main" xmlns:r="http://schemas.openxmlformats.org/officeDocument/2006/relationships" xmlns:p="http://schemas.openxmlformats.org/presentationml/2006/main">
-  <p:cSld>
-    <p:spTree>
-      <p:nvGrpSpPr>
-        <p:cNvPr id="1" name=""/>
-        <p:cNvGrpSpPr/>
-        <p:nvPr/>
-      </p:nvGrpSpPr>
-      <p:grpSpPr>
-        <a:xfrm>
-          <a:off x="0" y="0"/>
-          <a:ext cx="0" cy="0"/>
-          <a:chOff x="0" y="0"/>
-          <a:chExt cx="0" cy="0"/>
-        </a:xfrm>
-      </p:grpSpPr>
-      <p:sp>
-        <p:nvSpPr>
-          <p:cNvPr id="2" name="Foliennummernplatzhalter 1"/>
-          <p:cNvSpPr>
-            <a:spLocks noGrp="1"/>
-          </p:cNvSpPr>
-          <p:nvPr>
-            <p:ph type="sldNum" sz="quarter" idx="10"/>
-          </p:nvPr>
-        </p:nvSpPr>
-        <p:spPr/>
-        <p:txBody>
-          <a:bodyPr/>
-          <a:lstStyle/>
-          <a:p>
-            <a:fld id="{0C62BB70-361B-4A21-9656-DFD492B55ABF}" type="slidenum">
-              <a:rPr lang="de-CH" smtClean="0"/>
-              <a:pPr/>
-              <a:t>7</a:t>
-            </a:fld>
-            <a:endParaRPr lang="de-CH" dirty="0"/>
-          </a:p>
-        </p:txBody>
-      </p:sp>
-      <p:sp>
-        <p:nvSpPr>
-          <p:cNvPr id="7" name="Titel 6"/>
-          <p:cNvSpPr>
-            <a:spLocks noGrp="1"/>
-          </p:cNvSpPr>
-          <p:nvPr>
-            <p:ph type="title"/>
-          </p:nvPr>
-        </p:nvSpPr>
-        <p:spPr/>
-        <p:txBody>
-          <a:bodyPr/>
-          <a:lstStyle/>
-          <a:p>
-            <a:r>
-              <a:rPr lang="de-CH" dirty="0"/>
-              <a:t>Erklärung des </a:t>
-            </a:r>
-            <a:r>
-              <a:rPr lang="de-CH" dirty="0" err="1"/>
-              <a:t>Webserver.php</a:t>
-            </a:r>
-            <a:endParaRPr lang="de-CH" dirty="0"/>
-          </a:p>
-        </p:txBody>
-      </p:sp>
-      <p:sp>
-        <p:nvSpPr>
-          <p:cNvPr id="8" name="Inhaltsplatzhalter 7"/>
-          <p:cNvSpPr>
-            <a:spLocks noGrp="1"/>
-          </p:cNvSpPr>
-          <p:nvPr>
-            <p:ph idx="1"/>
-          </p:nvPr>
-        </p:nvSpPr>
-        <p:spPr/>
-        <p:txBody>
-          <a:bodyPr/>
-          <a:lstStyle/>
-          <a:p>
-            <a:endParaRPr lang="de-CH" dirty="0"/>
-          </a:p>
-        </p:txBody>
-      </p:sp>
-      <p:sp>
-        <p:nvSpPr>
-          <p:cNvPr id="9" name="Bildplatzhalter 8"/>
-          <p:cNvSpPr>
-            <a:spLocks noGrp="1"/>
-          </p:cNvSpPr>
-          <p:nvPr>
-            <p:ph type="pic" sz="quarter" idx="13"/>
-          </p:nvPr>
-        </p:nvSpPr>
-        <p:spPr/>
-      </p:sp>
-    </p:spTree>
-    <p:extLst>
-      <p:ext uri="{BB962C8B-B14F-4D97-AF65-F5344CB8AC3E}">
-        <p14:creationId xmlns:p14="http://schemas.microsoft.com/office/powerpoint/2010/main" val="3832587523"/>
-      </p:ext>
-    </p:extLst>
-  </p:cSld>
-  <p:clrMapOvr>
-    <a:masterClrMapping/>
-  </p:clrMapOvr>
-</p:sld>
-</file>
-
 <file path=ppt/slides/slide8.xml><?xml version="1.0" encoding="utf-8"?>
 <p:sld xmlns:a="http://schemas.openxmlformats.org/drawingml/2006/main" xmlns:r="http://schemas.openxmlformats.org/officeDocument/2006/relationships" xmlns:p="http://schemas.openxmlformats.org/presentationml/2006/main">
   <p:cSld>
@@ -4171,13 +4411,8 @@
           <a:p>
             <a:r>
               <a:rPr lang="de-CH" dirty="0"/>
-              <a:t>Erklärung des </a:t>
-            </a:r>
-            <a:r>
-              <a:rPr lang="de-CH" dirty="0" err="1"/>
-              <a:t>Webserver.php</a:t>
-            </a:r>
-            <a:endParaRPr lang="de-CH" dirty="0"/>
+              <a:t>Fragen?</a:t>
+            </a:r>
           </a:p>
         </p:txBody>
       </p:sp>
@@ -4283,13 +4518,8 @@
           <a:p>
             <a:r>
               <a:rPr lang="de-CH" dirty="0"/>
-              <a:t>Erklärung des </a:t>
-            </a:r>
-            <a:r>
-              <a:rPr lang="de-CH" dirty="0" err="1"/>
-              <a:t>Webserver.php</a:t>
-            </a:r>
-            <a:endParaRPr lang="de-CH" dirty="0"/>
+              <a:t>Work</a:t>
+            </a:r>
           </a:p>
         </p:txBody>
       </p:sp>
@@ -4303,31 +4533,68 @@
             <p:ph idx="1"/>
           </p:nvPr>
         </p:nvSpPr>
-        <p:spPr/>
+        <p:spPr>
+          <a:xfrm>
+            <a:off x="738000" y="1535761"/>
+            <a:ext cx="7002352" cy="2976503"/>
+          </a:xfrm>
+        </p:spPr>
         <p:txBody>
           <a:bodyPr/>
           <a:lstStyle/>
           <a:p>
-            <a:endParaRPr lang="de-CH" dirty="0"/>
-          </a:p>
-        </p:txBody>
-      </p:sp>
-      <p:sp>
-        <p:nvSpPr>
-          <p:cNvPr id="9" name="Bildplatzhalter 8"/>
-          <p:cNvSpPr>
-            <a:spLocks noGrp="1"/>
-          </p:cNvSpPr>
-          <p:nvPr>
-            <p:ph type="pic" sz="quarter" idx="13"/>
-          </p:nvPr>
-        </p:nvSpPr>
-        <p:spPr/>
-      </p:sp>
+            <a:pPr marL="7752" indent="0">
+              <a:buNone/>
+            </a:pPr>
+            <a:r>
+              <a:rPr lang="de-CH" dirty="0"/>
+              <a:t>In dem File «</a:t>
+            </a:r>
+            <a:r>
+              <a:rPr lang="de-CH" dirty="0" err="1"/>
+              <a:t>webserver.php</a:t>
+            </a:r>
+            <a:r>
+              <a:rPr lang="de-CH" dirty="0"/>
+              <a:t>» im Ordner «4_Formulare/1» findet ihr die Aufgabe 2 als Kommentar</a:t>
+            </a:r>
+          </a:p>
+        </p:txBody>
+      </p:sp>
+      <p:pic>
+        <p:nvPicPr>
+          <p:cNvPr id="4" name="Grafik 3">
+            <a:extLst>
+              <a:ext uri="{FF2B5EF4-FFF2-40B4-BE49-F238E27FC236}">
+                <a16:creationId xmlns:a16="http://schemas.microsoft.com/office/drawing/2014/main" id="{737381F6-5108-4235-891F-BEA7FDC973EC}"/>
+              </a:ext>
+            </a:extLst>
+          </p:cNvPr>
+          <p:cNvPicPr>
+            <a:picLocks noChangeAspect="1"/>
+          </p:cNvPicPr>
+          <p:nvPr/>
+        </p:nvPicPr>
+        <p:blipFill>
+          <a:blip r:embed="rId2"/>
+          <a:stretch>
+            <a:fillRect/>
+          </a:stretch>
+        </p:blipFill>
+        <p:spPr>
+          <a:xfrm>
+            <a:off x="827583" y="2283718"/>
+            <a:ext cx="5409309" cy="2160240"/>
+          </a:xfrm>
+          <a:prstGeom prst="rect">
+            <a:avLst/>
+          </a:prstGeom>
+        </p:spPr>
+      </p:pic>
     </p:spTree>
     <p:extLst>
       <p:ext uri="{BB962C8B-B14F-4D97-AF65-F5344CB8AC3E}">
-        <p14:creationId xmlns:p14="http://schemas.microsoft.com/office/powerpoint/2010/main" val="3457891909"/>
+        <p14:creationId xmlns:p14="http://schemas.microsoft.com/office/powerpoint/2010/main" val="3832587523"/>
       </p:ext>
     </p:extLst>
   </p:cSld>
